--- a/widget관련/3dWidegt 최종주제.pptx
+++ b/widget관련/3dWidegt 최종주제.pptx
@@ -1148,7 +1148,7 @@
           <a:p>
             <a:fld id="{3C992E7A-3722-4138-9E11-0B5DE1DB843F}" type="datetimeFigureOut">
               <a:rPr lang="ko-KR" altLang="en-US" smtClean="0"/>
-              <a:t>2021-11-04</a:t>
+              <a:t>2021-11-08</a:t>
             </a:fld>
             <a:endParaRPr lang="ko-KR" altLang="en-US"/>
           </a:p>
@@ -1318,7 +1318,7 @@
           <a:p>
             <a:fld id="{3C992E7A-3722-4138-9E11-0B5DE1DB843F}" type="datetimeFigureOut">
               <a:rPr lang="ko-KR" altLang="en-US" smtClean="0"/>
-              <a:t>2021-11-04</a:t>
+              <a:t>2021-11-08</a:t>
             </a:fld>
             <a:endParaRPr lang="ko-KR" altLang="en-US"/>
           </a:p>
@@ -1498,7 +1498,7 @@
           <a:p>
             <a:fld id="{3C992E7A-3722-4138-9E11-0B5DE1DB843F}" type="datetimeFigureOut">
               <a:rPr lang="ko-KR" altLang="en-US" smtClean="0"/>
-              <a:t>2021-11-04</a:t>
+              <a:t>2021-11-08</a:t>
             </a:fld>
             <a:endParaRPr lang="ko-KR" altLang="en-US"/>
           </a:p>
@@ -1668,7 +1668,7 @@
           <a:p>
             <a:fld id="{3C992E7A-3722-4138-9E11-0B5DE1DB843F}" type="datetimeFigureOut">
               <a:rPr lang="ko-KR" altLang="en-US" smtClean="0"/>
-              <a:t>2021-11-04</a:t>
+              <a:t>2021-11-08</a:t>
             </a:fld>
             <a:endParaRPr lang="ko-KR" altLang="en-US"/>
           </a:p>
@@ -1914,7 +1914,7 @@
           <a:p>
             <a:fld id="{3C992E7A-3722-4138-9E11-0B5DE1DB843F}" type="datetimeFigureOut">
               <a:rPr lang="ko-KR" altLang="en-US" smtClean="0"/>
-              <a:t>2021-11-04</a:t>
+              <a:t>2021-11-08</a:t>
             </a:fld>
             <a:endParaRPr lang="ko-KR" altLang="en-US"/>
           </a:p>
@@ -2146,7 +2146,7 @@
           <a:p>
             <a:fld id="{3C992E7A-3722-4138-9E11-0B5DE1DB843F}" type="datetimeFigureOut">
               <a:rPr lang="ko-KR" altLang="en-US" smtClean="0"/>
-              <a:t>2021-11-04</a:t>
+              <a:t>2021-11-08</a:t>
             </a:fld>
             <a:endParaRPr lang="ko-KR" altLang="en-US"/>
           </a:p>
@@ -2513,7 +2513,7 @@
           <a:p>
             <a:fld id="{3C992E7A-3722-4138-9E11-0B5DE1DB843F}" type="datetimeFigureOut">
               <a:rPr lang="ko-KR" altLang="en-US" smtClean="0"/>
-              <a:t>2021-11-04</a:t>
+              <a:t>2021-11-08</a:t>
             </a:fld>
             <a:endParaRPr lang="ko-KR" altLang="en-US"/>
           </a:p>
@@ -2631,7 +2631,7 @@
           <a:p>
             <a:fld id="{3C992E7A-3722-4138-9E11-0B5DE1DB843F}" type="datetimeFigureOut">
               <a:rPr lang="ko-KR" altLang="en-US" smtClean="0"/>
-              <a:t>2021-11-04</a:t>
+              <a:t>2021-11-08</a:t>
             </a:fld>
             <a:endParaRPr lang="ko-KR" altLang="en-US"/>
           </a:p>
@@ -2726,7 +2726,7 @@
           <a:p>
             <a:fld id="{3C992E7A-3722-4138-9E11-0B5DE1DB843F}" type="datetimeFigureOut">
               <a:rPr lang="ko-KR" altLang="en-US" smtClean="0"/>
-              <a:t>2021-11-04</a:t>
+              <a:t>2021-11-08</a:t>
             </a:fld>
             <a:endParaRPr lang="ko-KR" altLang="en-US"/>
           </a:p>
@@ -3003,7 +3003,7 @@
           <a:p>
             <a:fld id="{3C992E7A-3722-4138-9E11-0B5DE1DB843F}" type="datetimeFigureOut">
               <a:rPr lang="ko-KR" altLang="en-US" smtClean="0"/>
-              <a:t>2021-11-04</a:t>
+              <a:t>2021-11-08</a:t>
             </a:fld>
             <a:endParaRPr lang="ko-KR" altLang="en-US"/>
           </a:p>
@@ -3256,7 +3256,7 @@
           <a:p>
             <a:fld id="{3C992E7A-3722-4138-9E11-0B5DE1DB843F}" type="datetimeFigureOut">
               <a:rPr lang="ko-KR" altLang="en-US" smtClean="0"/>
-              <a:t>2021-11-04</a:t>
+              <a:t>2021-11-08</a:t>
             </a:fld>
             <a:endParaRPr lang="ko-KR" altLang="en-US"/>
           </a:p>
@@ -3469,7 +3469,7 @@
           <a:p>
             <a:fld id="{3C992E7A-3722-4138-9E11-0B5DE1DB843F}" type="datetimeFigureOut">
               <a:rPr lang="ko-KR" altLang="en-US" smtClean="0"/>
-              <a:t>2021-11-04</a:t>
+              <a:t>2021-11-08</a:t>
             </a:fld>
             <a:endParaRPr lang="ko-KR" altLang="en-US"/>
           </a:p>
@@ -4213,13 +4213,13 @@
           <p:nvPr>
             <p:extLst>
               <p:ext uri="{D42A27DB-BD31-4B8C-83A1-F6EECF244321}">
-                <p14:modId xmlns:p14="http://schemas.microsoft.com/office/powerpoint/2010/main" val="3586123501"/>
+                <p14:modId xmlns:p14="http://schemas.microsoft.com/office/powerpoint/2010/main" val="1328221637"/>
               </p:ext>
             </p:extLst>
           </p:nvPr>
         </p:nvGraphicFramePr>
         <p:xfrm>
-          <a:off x="6894422" y="1005991"/>
+          <a:off x="6790392" y="787803"/>
           <a:ext cx="4839071" cy="4545106"/>
         </p:xfrm>
         <a:graphic>
@@ -4308,7 +4308,19 @@
               <a:rPr lang="ko-KR" altLang="en-US" dirty="0" err="1" smtClean="0"/>
               <a:t>입력칸</a:t>
             </a:r>
-            <a:endParaRPr lang="ko-KR" altLang="en-US" dirty="0"/>
+            <a:r>
+              <a:rPr lang="ko-KR" altLang="en-US" dirty="0" smtClean="0"/>
+              <a:t> </a:t>
+            </a:r>
+            <a:r>
+              <a:rPr lang="en-US" altLang="ko-KR" dirty="0" smtClean="0"/>
+              <a:t>test</a:t>
+            </a:r>
+            <a:r>
+              <a:rPr lang="ko-KR" altLang="en-US" dirty="0" smtClean="0"/>
+              <a:t>만 추가</a:t>
+            </a:r>
+            <a:endParaRPr lang="en-US" altLang="ko-KR" dirty="0" smtClean="0"/>
           </a:p>
         </p:txBody>
       </p:sp>
@@ -4399,8 +4411,8 @@
         </p:nvSpPr>
         <p:spPr>
           <a:xfrm>
-            <a:off x="7427443" y="359660"/>
-            <a:ext cx="4132730" cy="646331"/>
+            <a:off x="7246244" y="198622"/>
+            <a:ext cx="4132730" cy="369332"/>
           </a:xfrm>
           <a:prstGeom prst="rect">
             <a:avLst/>
@@ -4415,23 +4427,12 @@
           <a:p>
             <a:pPr algn="ctr"/>
             <a:r>
-              <a:rPr lang="ko-KR" altLang="en-US" dirty="0" err="1" smtClean="0"/>
-              <a:t>차트색</a:t>
-            </a:r>
-            <a:r>
               <a:rPr lang="ko-KR" altLang="en-US" dirty="0" smtClean="0"/>
-              <a:t> 지정 </a:t>
-            </a:r>
-            <a:r>
-              <a:rPr lang="en-US" altLang="ko-KR" dirty="0" smtClean="0"/>
-              <a:t>X</a:t>
-            </a:r>
-          </a:p>
-          <a:p>
-            <a:pPr algn="ctr"/>
+              <a:t>차트 </a:t>
+            </a:r>
             <a:r>
               <a:rPr lang="ko-KR" altLang="en-US" dirty="0" smtClean="0"/>
-              <a:t>차트 넘겨 항목별 그래프 확인</a:t>
+              <a:t>넘겨 항목별 그래프 확인</a:t>
             </a:r>
             <a:endParaRPr lang="en-US" altLang="ko-KR" dirty="0" smtClean="0"/>
           </a:p>
@@ -4630,7 +4631,7 @@
         </p:nvSpPr>
         <p:spPr>
           <a:xfrm>
-            <a:off x="7370665" y="5668078"/>
+            <a:off x="6977303" y="5428045"/>
             <a:ext cx="188259" cy="210200"/>
           </a:xfrm>
           <a:prstGeom prst="rect">
@@ -4668,7 +4669,7 @@
         </p:nvSpPr>
         <p:spPr>
           <a:xfrm>
-            <a:off x="7639606" y="5632219"/>
+            <a:off x="7246244" y="5392186"/>
             <a:ext cx="1021977" cy="369332"/>
           </a:xfrm>
           <a:prstGeom prst="rect">
@@ -4698,7 +4699,7 @@
         </p:nvSpPr>
         <p:spPr>
           <a:xfrm>
-            <a:off x="8392642" y="5668078"/>
+            <a:off x="7999280" y="5428045"/>
             <a:ext cx="188259" cy="210200"/>
           </a:xfrm>
           <a:prstGeom prst="rect">
@@ -4736,7 +4737,7 @@
         </p:nvSpPr>
         <p:spPr>
           <a:xfrm>
-            <a:off x="8661583" y="5632219"/>
+            <a:off x="8268221" y="5392186"/>
             <a:ext cx="1021977" cy="369332"/>
           </a:xfrm>
           <a:prstGeom prst="rect">
@@ -4766,7 +4767,7 @@
         </p:nvSpPr>
         <p:spPr>
           <a:xfrm>
-            <a:off x="9399679" y="5668078"/>
+            <a:off x="9006317" y="5428045"/>
             <a:ext cx="188259" cy="210200"/>
           </a:xfrm>
           <a:prstGeom prst="rect">
@@ -4804,7 +4805,7 @@
         </p:nvSpPr>
         <p:spPr>
           <a:xfrm>
-            <a:off x="9668620" y="5632219"/>
+            <a:off x="9275258" y="5392186"/>
             <a:ext cx="1021977" cy="369332"/>
           </a:xfrm>
           <a:prstGeom prst="rect">
@@ -4834,7 +4835,7 @@
         </p:nvSpPr>
         <p:spPr>
           <a:xfrm>
-            <a:off x="10406716" y="5668078"/>
+            <a:off x="10013354" y="5428045"/>
             <a:ext cx="188259" cy="210200"/>
           </a:xfrm>
           <a:prstGeom prst="rect">
@@ -4872,7 +4873,7 @@
         </p:nvSpPr>
         <p:spPr>
           <a:xfrm>
-            <a:off x="10675657" y="5632219"/>
+            <a:off x="10282295" y="5392186"/>
             <a:ext cx="1021977" cy="369332"/>
           </a:xfrm>
           <a:prstGeom prst="rect">
@@ -4902,8 +4903,8 @@
         </p:nvSpPr>
         <p:spPr>
           <a:xfrm>
-            <a:off x="7001435" y="6108942"/>
-            <a:ext cx="4303059" cy="646331"/>
+            <a:off x="6198869" y="5797377"/>
+            <a:ext cx="5803153" cy="923330"/>
           </a:xfrm>
           <a:prstGeom prst="rect">
             <a:avLst/>
@@ -4927,6 +4928,14 @@
             </a:r>
             <a:r>
               <a:rPr lang="en-US" altLang="ko-KR" dirty="0" smtClean="0"/>
+              <a:t>filter</a:t>
+            </a:r>
+            <a:r>
+              <a:rPr lang="ko-KR" altLang="en-US" dirty="0" smtClean="0"/>
+              <a:t>버튼 누를 시 </a:t>
+            </a:r>
+            <a:r>
+              <a:rPr lang="en-US" altLang="ko-KR" dirty="0" smtClean="0"/>
               <a:t>publish</a:t>
             </a:r>
           </a:p>
@@ -4934,7 +4943,11 @@
             <a:pPr algn="ctr"/>
             <a:r>
               <a:rPr lang="en-US" altLang="ko-KR" dirty="0" smtClean="0"/>
-              <a:t>Table, chart</a:t>
+              <a:t>Table</a:t>
+            </a:r>
+            <a:r>
+              <a:rPr lang="en-US" altLang="ko-KR" dirty="0" smtClean="0"/>
+              <a:t>, chart</a:t>
             </a:r>
             <a:r>
               <a:rPr lang="ko-KR" altLang="en-US" dirty="0" smtClean="0"/>
@@ -4942,8 +4955,78 @@
             </a:r>
             <a:r>
               <a:rPr lang="en-US" altLang="ko-KR" dirty="0" smtClean="0"/>
-              <a:t>subscribe</a:t>
-            </a:r>
+              <a:t>subscribe </a:t>
+            </a:r>
+            <a:r>
+              <a:rPr lang="ko-KR" altLang="en-US" dirty="0" smtClean="0"/>
+              <a:t>후 </a:t>
+            </a:r>
+            <a:r>
+              <a:rPr lang="en-US" altLang="ko-KR" dirty="0" smtClean="0"/>
+              <a:t>draw.</a:t>
+            </a:r>
+          </a:p>
+          <a:p>
+            <a:pPr algn="ctr"/>
+            <a:r>
+              <a:rPr lang="en-US" altLang="ko-KR" dirty="0" err="1" smtClean="0"/>
+              <a:t>Onload</a:t>
+            </a:r>
+            <a:r>
+              <a:rPr lang="en-US" altLang="ko-KR" dirty="0" smtClean="0"/>
+              <a:t> </a:t>
+            </a:r>
+            <a:r>
+              <a:rPr lang="ko-KR" altLang="en-US" dirty="0" smtClean="0"/>
+              <a:t>시 최초 실행</a:t>
+            </a:r>
+            <a:r>
+              <a:rPr lang="en-US" altLang="ko-KR" dirty="0" smtClean="0"/>
+              <a:t>.</a:t>
+            </a:r>
+            <a:endParaRPr lang="en-US" altLang="ko-KR" dirty="0" smtClean="0"/>
+          </a:p>
+        </p:txBody>
+      </p:sp>
+      <p:sp>
+        <p:nvSpPr>
+          <p:cNvPr id="6" name="직사각형 5"/>
+          <p:cNvSpPr/>
+          <p:nvPr/>
+        </p:nvSpPr>
+        <p:spPr>
+          <a:xfrm>
+            <a:off x="10788145" y="5358492"/>
+            <a:ext cx="886296" cy="320330"/>
+          </a:xfrm>
+          <a:prstGeom prst="rect">
+            <a:avLst/>
+          </a:prstGeom>
+        </p:spPr>
+        <p:style>
+          <a:lnRef idx="3">
+            <a:schemeClr val="lt1"/>
+          </a:lnRef>
+          <a:fillRef idx="1">
+            <a:schemeClr val="accent3"/>
+          </a:fillRef>
+          <a:effectRef idx="1">
+            <a:schemeClr val="accent3"/>
+          </a:effectRef>
+          <a:fontRef idx="minor">
+            <a:schemeClr val="lt1"/>
+          </a:fontRef>
+        </p:style>
+        <p:txBody>
+          <a:bodyPr rtlCol="0" anchor="ctr"/>
+          <a:lstStyle/>
+          <a:p>
+            <a:pPr algn="ctr"/>
+            <a:r>
+              <a:rPr lang="en-US" altLang="ko-KR" dirty="0" smtClean="0"/>
+              <a:t>filter</a:t>
+            </a:r>
+            <a:endParaRPr lang="ko-KR" altLang="en-US" dirty="0"/>
           </a:p>
         </p:txBody>
       </p:sp>
